--- a/LaTeX/Images/Dimming Correction and Fitting Algorithm.pptx
+++ b/LaTeX/Images/Dimming Correction and Fitting Algorithm.pptx
@@ -305,7 +305,7 @@
             <a:fld id="{8ACDB3CC-F982-40F9-8DD6-BCC9AFBF44BD}" type="datetime1">
               <a:rPr lang="en-US" smtClean="0"/>
               <a:pPr/>
-              <a:t>1/20/16</a:t>
+              <a:t>1/22/16</a:t>
             </a:fld>
             <a:endParaRPr lang="en-US" dirty="0"/>
           </a:p>
@@ -475,7 +475,7 @@
           <a:p>
             <a:fld id="{68C2560D-EC28-3B41-86E8-18F1CE0113B4}" type="datetimeFigureOut">
               <a:rPr lang="en-US" smtClean="0"/>
-              <a:t>1/20/16</a:t>
+              <a:t>1/22/16</a:t>
             </a:fld>
             <a:endParaRPr lang="en-US"/>
           </a:p>
@@ -655,7 +655,7 @@
           <a:p>
             <a:fld id="{68C2560D-EC28-3B41-86E8-18F1CE0113B4}" type="datetimeFigureOut">
               <a:rPr lang="en-US" smtClean="0"/>
-              <a:t>1/20/16</a:t>
+              <a:t>1/22/16</a:t>
             </a:fld>
             <a:endParaRPr lang="en-US"/>
           </a:p>
@@ -825,7 +825,7 @@
           <a:p>
             <a:fld id="{68C2560D-EC28-3B41-86E8-18F1CE0113B4}" type="datetimeFigureOut">
               <a:rPr lang="en-US" smtClean="0"/>
-              <a:t>1/20/16</a:t>
+              <a:t>1/22/16</a:t>
             </a:fld>
             <a:endParaRPr lang="en-US"/>
           </a:p>
@@ -1072,7 +1072,7 @@
             <a:fld id="{4A9E7B99-7C3F-4BC3-B7B8-7E1F8C620B24}" type="datetime1">
               <a:rPr lang="en-US" smtClean="0"/>
               <a:pPr/>
-              <a:t>1/20/16</a:t>
+              <a:t>1/22/16</a:t>
             </a:fld>
             <a:endParaRPr lang="en-US"/>
           </a:p>
@@ -1361,7 +1361,7 @@
           <a:p>
             <a:fld id="{68C2560D-EC28-3B41-86E8-18F1CE0113B4}" type="datetimeFigureOut">
               <a:rPr lang="en-US" smtClean="0"/>
-              <a:t>1/20/16</a:t>
+              <a:t>1/22/16</a:t>
             </a:fld>
             <a:endParaRPr lang="en-US"/>
           </a:p>
@@ -1783,7 +1783,7 @@
           <a:p>
             <a:fld id="{68C2560D-EC28-3B41-86E8-18F1CE0113B4}" type="datetimeFigureOut">
               <a:rPr lang="en-US" smtClean="0"/>
-              <a:t>1/20/16</a:t>
+              <a:t>1/22/16</a:t>
             </a:fld>
             <a:endParaRPr lang="en-US"/>
           </a:p>
@@ -1901,7 +1901,7 @@
           <a:p>
             <a:fld id="{68C2560D-EC28-3B41-86E8-18F1CE0113B4}" type="datetimeFigureOut">
               <a:rPr lang="en-US" smtClean="0"/>
-              <a:t>1/20/16</a:t>
+              <a:t>1/22/16</a:t>
             </a:fld>
             <a:endParaRPr lang="en-US"/>
           </a:p>
@@ -1996,7 +1996,7 @@
           <a:p>
             <a:fld id="{68C2560D-EC28-3B41-86E8-18F1CE0113B4}" type="datetimeFigureOut">
               <a:rPr lang="en-US" smtClean="0"/>
-              <a:t>1/20/16</a:t>
+              <a:t>1/22/16</a:t>
             </a:fld>
             <a:endParaRPr lang="en-US"/>
           </a:p>
@@ -2273,7 +2273,7 @@
           <a:p>
             <a:fld id="{68C2560D-EC28-3B41-86E8-18F1CE0113B4}" type="datetimeFigureOut">
               <a:rPr lang="en-US" smtClean="0"/>
-              <a:t>1/20/16</a:t>
+              <a:t>1/22/16</a:t>
             </a:fld>
             <a:endParaRPr lang="en-US"/>
           </a:p>
@@ -2533,7 +2533,7 @@
           <a:p>
             <a:fld id="{68C2560D-EC28-3B41-86E8-18F1CE0113B4}" type="datetimeFigureOut">
               <a:rPr lang="en-US" smtClean="0"/>
-              <a:t>1/20/16</a:t>
+              <a:t>1/22/16</a:t>
             </a:fld>
             <a:endParaRPr lang="en-US"/>
           </a:p>
@@ -2746,7 +2746,7 @@
           <a:p>
             <a:fld id="{68C2560D-EC28-3B41-86E8-18F1CE0113B4}" type="datetimeFigureOut">
               <a:rPr lang="en-US" smtClean="0"/>
-              <a:t>1/20/16</a:t>
+              <a:t>1/22/16</a:t>
             </a:fld>
             <a:endParaRPr lang="en-US"/>
           </a:p>
@@ -3168,7 +3168,7 @@
             <a:pPr algn="ctr"/>
             <a:r>
               <a:rPr lang="en-US" sz="1400" dirty="0" smtClean="0"/>
-              <a:t>(1 hour, 120 second average)</a:t>
+              <a:t>(120 second average)</a:t>
             </a:r>
           </a:p>
         </p:txBody>
@@ -3213,11 +3213,15 @@
             <a:pPr algn="ctr"/>
             <a:r>
               <a:rPr lang="en-US" sz="1400" dirty="0" smtClean="0"/>
-              <a:t>[W/m</a:t>
+              <a:t>[</a:t>
+            </a:r>
+            <a:r>
+              <a:rPr lang="en-US" sz="1400" dirty="0" smtClean="0"/>
+              <a:t>W m</a:t>
             </a:r>
             <a:r>
               <a:rPr lang="en-US" sz="1400" baseline="30000" dirty="0" smtClean="0"/>
-              <a:t>2</a:t>
+              <a:t>-2</a:t>
             </a:r>
             <a:r>
               <a:rPr lang="en-US" sz="1400" dirty="0" smtClean="0"/>
@@ -4455,24 +4459,6 @@
 </file>
 
 <file path=customXml/item1.xml><?xml version="1.0" encoding="utf-8"?>
-<?mso-contentType ?>
-<FormTemplates xmlns="http://schemas.microsoft.com/sharepoint/v3/contenttype/forms">
-  <Display>DocumentLibraryForm</Display>
-  <Edit>DocumentLibraryForm</Edit>
-  <New>DocumentLibraryForm</New>
-</FormTemplates>
-</file>
-
-<file path=customXml/item2.xml><?xml version="1.0" encoding="utf-8"?>
-<p:properties xmlns:p="http://schemas.microsoft.com/office/2006/metadata/properties" xmlns:xsi="http://www.w3.org/2001/XMLSchema-instance" xmlns:pc="http://schemas.microsoft.com/office/infopath/2007/PartnerControls">
-  <documentManagement>
-    <_Version xmlns="http://schemas.microsoft.com/sharepoint/v3/fields" xsi:nil="true"/>
-    <_Status xmlns="http://schemas.microsoft.com/sharepoint/v3/fields">Not Started</_Status>
-  </documentManagement>
-</p:properties>
-</file>
-
-<file path=customXml/item3.xml><?xml version="1.0" encoding="utf-8"?>
 <ct:contentTypeSchema xmlns:ct="http://schemas.microsoft.com/office/2006/metadata/contentType" xmlns:ma="http://schemas.microsoft.com/office/2006/metadata/properties/metaAttributes" ct:_="" ma:_="" ma:contentTypeName="Document" ma:contentTypeID="0x0101000DE64AEEDD9B7A4D93545ACBE97D4615" ma:contentTypeVersion="2" ma:contentTypeDescription="Create a new document." ma:contentTypeScope="" ma:versionID="f49002b78e3a4a71b814eef46a983816">
   <xsd:schema xmlns:xsd="http://www.w3.org/2001/XMLSchema" xmlns:xs="http://www.w3.org/2001/XMLSchema" xmlns:p="http://schemas.microsoft.com/office/2006/metadata/properties" xmlns:ns2="http://schemas.microsoft.com/sharepoint/v3/fields" targetNamespace="http://schemas.microsoft.com/office/2006/metadata/properties" ma:root="true" ma:fieldsID="38f6db2dd0d9a0cf6a8dc37be32b365b" ns2:_="">
     <xsd:import namespace="http://schemas.microsoft.com/sharepoint/v3/fields"/>
@@ -4616,25 +4602,25 @@
 </ct:contentTypeSchema>
 </file>
 
-<file path=customXml/itemProps1.xml><?xml version="1.0" encoding="utf-8"?>
-<ds:datastoreItem xmlns:ds="http://schemas.openxmlformats.org/officeDocument/2006/customXml" ds:itemID="{87D2A1B0-FF3E-4009-940D-AED0EB70AA20}">
-  <ds:schemaRefs>
-    <ds:schemaRef ds:uri="http://schemas.microsoft.com/sharepoint/v3/contenttype/forms"/>
-  </ds:schemaRefs>
-</ds:datastoreItem>
+<file path=customXml/item2.xml><?xml version="1.0" encoding="utf-8"?>
+<?mso-contentType ?>
+<FormTemplates xmlns="http://schemas.microsoft.com/sharepoint/v3/contenttype/forms">
+  <Display>DocumentLibraryForm</Display>
+  <Edit>DocumentLibraryForm</Edit>
+  <New>DocumentLibraryForm</New>
+</FormTemplates>
 </file>
 
-<file path=customXml/itemProps2.xml><?xml version="1.0" encoding="utf-8"?>
-<ds:datastoreItem xmlns:ds="http://schemas.openxmlformats.org/officeDocument/2006/customXml" ds:itemID="{7B6F2769-7194-4217-93D3-3AF3A4742282}">
-  <ds:schemaRefs>
-    <ds:schemaRef ds:uri="http://schemas.microsoft.com/office/2006/metadata/properties"/>
-    <ds:schemaRef ds:uri="http://schemas.microsoft.com/office/infopath/2007/PartnerControls"/>
-    <ds:schemaRef ds:uri="http://schemas.microsoft.com/sharepoint/v3/fields"/>
-  </ds:schemaRefs>
-</ds:datastoreItem>
+<file path=customXml/item3.xml><?xml version="1.0" encoding="utf-8"?>
+<p:properties xmlns:p="http://schemas.microsoft.com/office/2006/metadata/properties" xmlns:xsi="http://www.w3.org/2001/XMLSchema-instance" xmlns:pc="http://schemas.microsoft.com/office/infopath/2007/PartnerControls">
+  <documentManagement>
+    <_Version xmlns="http://schemas.microsoft.com/sharepoint/v3/fields" xsi:nil="true"/>
+    <_Status xmlns="http://schemas.microsoft.com/sharepoint/v3/fields">Not Started</_Status>
+  </documentManagement>
+</p:properties>
 </file>
 
-<file path=customXml/itemProps3.xml><?xml version="1.0" encoding="utf-8"?>
+<file path=customXml/itemProps1.xml><?xml version="1.0" encoding="utf-8"?>
 <ds:datastoreItem xmlns:ds="http://schemas.openxmlformats.org/officeDocument/2006/customXml" ds:itemID="{E4214858-785C-42F7-BE66-6D0E79395FC8}">
   <ds:schemaRefs>
     <ds:schemaRef ds:uri="http://schemas.microsoft.com/office/2006/metadata/contentType"/>
@@ -4650,4 +4636,22 @@
     <ds:schemaRef ds:uri="http://schemas.microsoft.com/internal/obd"/>
   </ds:schemaRefs>
 </ds:datastoreItem>
+</file>
+
+<file path=customXml/itemProps2.xml><?xml version="1.0" encoding="utf-8"?>
+<ds:datastoreItem xmlns:ds="http://schemas.openxmlformats.org/officeDocument/2006/customXml" ds:itemID="{87D2A1B0-FF3E-4009-940D-AED0EB70AA20}">
+  <ds:schemaRefs>
+    <ds:schemaRef ds:uri="http://schemas.microsoft.com/sharepoint/v3/contenttype/forms"/>
+  </ds:schemaRefs>
+</ds:datastoreItem>
+</file>
+
+<file path=customXml/itemProps3.xml><?xml version="1.0" encoding="utf-8"?>
+<ds:datastoreItem xmlns:ds="http://schemas.openxmlformats.org/officeDocument/2006/customXml" ds:itemID="{7B6F2769-7194-4217-93D3-3AF3A4742282}">
+  <ds:schemaRefs>
+    <ds:schemaRef ds:uri="http://schemas.microsoft.com/office/2006/metadata/properties"/>
+    <ds:schemaRef ds:uri="http://schemas.microsoft.com/office/infopath/2007/PartnerControls"/>
+    <ds:schemaRef ds:uri="http://schemas.microsoft.com/sharepoint/v3/fields"/>
+  </ds:schemaRefs>
+</ds:datastoreItem>
 </file>